--- a/posteri_tietoliikenteen_sovellusprojekti_2022.pptx
+++ b/posteri_tietoliikenteen_sovellusprojekti_2022.pptx
@@ -1942,7 +1942,15 @@
           <a:p>
             <a:r>
               <a:rPr lang="fi-FI" sz="1400" dirty="0"/>
-              <a:t>Projektion tavoitteena on opetella käyttämään eri tietotekniikan osa alueita ja kuinka ne toimivat yhdessä.</a:t>
+              <a:t>Projektion tavoitteena on luoda algoritmi joka selvittää mihin suuntaan </a:t>
+            </a:r>
+            <a:r>
+              <a:rPr lang="fi-FI" sz="1400" dirty="0" err="1"/>
+              <a:t>arduinen</a:t>
+            </a:r>
+            <a:r>
+              <a:rPr lang="fi-FI" sz="1400" dirty="0"/>
+              <a:t> sensori on käyttäen kone oppimista</a:t>
             </a:r>
           </a:p>
           <a:p>
@@ -2105,6 +2113,12 @@
           </a:p>
           <a:p>
             <a:endParaRPr lang="fi-FI" dirty="0"/>
+          </a:p>
+          <a:p>
+            <a:endParaRPr lang="fi-FI" sz="1200" i="1" dirty="0"/>
+          </a:p>
+          <a:p>
+            <a:endParaRPr lang="fi-FI" sz="1200" i="1" dirty="0"/>
           </a:p>
           <a:p>
             <a:endParaRPr lang="fi-FI" sz="1200" i="1" dirty="0"/>
@@ -2275,6 +2289,61 @@
             </a:endParaRPr>
           </a:p>
           <a:p>
+            <a:r>
+              <a:rPr lang="fi-FI" dirty="0"/>
+              <a:t>Kuva 1. on K-</a:t>
+            </a:r>
+            <a:r>
+              <a:rPr lang="fi-FI" dirty="0" err="1"/>
+              <a:t>means</a:t>
+            </a:r>
+            <a:r>
+              <a:rPr lang="fi-FI" dirty="0"/>
+              <a:t> algoritmin tulos jossa näkyy keskipisteet, datapisteet, ja arvaukset.</a:t>
+            </a:r>
+          </a:p>
+          <a:p>
+            <a:endParaRPr lang="fi-FI" dirty="0"/>
+          </a:p>
+          <a:p>
+            <a:r>
+              <a:rPr lang="fi-FI" dirty="0"/>
+              <a:t>Kuva 2. on </a:t>
+            </a:r>
+            <a:r>
+              <a:rPr lang="fi-FI" dirty="0" err="1"/>
+              <a:t>Confusion</a:t>
+            </a:r>
+            <a:r>
+              <a:rPr lang="fi-FI" dirty="0"/>
+              <a:t> </a:t>
+            </a:r>
+            <a:r>
+              <a:rPr lang="fi-FI" dirty="0" err="1"/>
+              <a:t>matrix</a:t>
+            </a:r>
+            <a:r>
+              <a:rPr lang="fi-FI" dirty="0"/>
+              <a:t> jossa ylempi on oikea </a:t>
+            </a:r>
+            <a:r>
+              <a:rPr lang="fi-FI" dirty="0" err="1"/>
+              <a:t>confusion</a:t>
+            </a:r>
+            <a:r>
+              <a:rPr lang="fi-FI" dirty="0"/>
+              <a:t> </a:t>
+            </a:r>
+            <a:r>
+              <a:rPr lang="fi-FI" dirty="0" err="1"/>
+              <a:t>matrix</a:t>
+            </a:r>
+            <a:r>
+              <a:rPr lang="fi-FI" dirty="0"/>
+              <a:t> tulos ja alempi on tulos kun sensoria on ravisteltu mittauksen aikana.</a:t>
+            </a:r>
+          </a:p>
+          <a:p>
             <a:endParaRPr lang="fi-FI" dirty="0">
               <a:solidFill>
                 <a:srgbClr val="000000"/>
@@ -2412,6 +2481,36 @@
           <a:bodyPr lIns="122191" tIns="61096" rIns="122191" bIns="61096" anchor="t"/>
           <a:lstStyle/>
           <a:p>
+            <a:endParaRPr lang="fi-FI" b="1" dirty="0"/>
+          </a:p>
+          <a:p>
+            <a:endParaRPr lang="fi-FI" b="1" dirty="0"/>
+          </a:p>
+          <a:p>
+            <a:endParaRPr lang="fi-FI" b="1" dirty="0"/>
+          </a:p>
+          <a:p>
+            <a:endParaRPr lang="fi-FI" b="1" dirty="0"/>
+          </a:p>
+          <a:p>
+            <a:endParaRPr lang="fi-FI" b="1" dirty="0"/>
+          </a:p>
+          <a:p>
+            <a:endParaRPr lang="fi-FI" b="1" dirty="0"/>
+          </a:p>
+          <a:p>
+            <a:endParaRPr lang="fi-FI" b="1" dirty="0"/>
+          </a:p>
+          <a:p>
+            <a:r>
+              <a:rPr lang="fi-FI" sz="1200" dirty="0"/>
+              <a:t>Kuva 2.</a:t>
+            </a:r>
+          </a:p>
+          <a:p>
+            <a:endParaRPr lang="fi-FI" b="1" dirty="0"/>
+          </a:p>
+          <a:p>
             <a:r>
               <a:rPr lang="fi-FI" b="1" dirty="0"/>
               <a:t>Lopputulos</a:t>
@@ -2430,97 +2529,74 @@
           <a:p>
             <a:r>
               <a:rPr lang="fi-FI" dirty="0"/>
-              <a:t>Kuva 1. on K-</a:t>
-            </a:r>
-            <a:r>
-              <a:rPr lang="fi-FI" dirty="0" err="1"/>
-              <a:t>means</a:t>
-            </a:r>
-            <a:r>
-              <a:rPr lang="fi-FI" dirty="0"/>
-              <a:t> algoritmin tulos jossa näkyy keskipisteet, datapisteet, ja arvaukset.</a:t>
-            </a:r>
-          </a:p>
-          <a:p>
+              <a:t>Projekti oli odotettua hankalampi ja joidenkin viikkojen tehtävät veivät huomattavasti kauemman kuin toisten viikkojen.</a:t>
+            </a:r>
+          </a:p>
+          <a:p>
+            <a:endParaRPr lang="fi-FI" sz="1200" dirty="0"/>
+          </a:p>
+          <a:p>
+            <a:endParaRPr lang="fi-FI" sz="1200" dirty="0"/>
+          </a:p>
+          <a:p>
+            <a:endParaRPr lang="fi-FI" sz="1200" dirty="0"/>
+          </a:p>
+          <a:p>
+            <a:endParaRPr lang="fi-FI" sz="1200" dirty="0"/>
+          </a:p>
+          <a:p>
+            <a:endParaRPr lang="fi-FI" sz="1200" dirty="0"/>
+          </a:p>
+          <a:p>
+            <a:endParaRPr lang="fi-FI" sz="1200" dirty="0"/>
+          </a:p>
+          <a:p>
+            <a:endParaRPr lang="fi-FI" sz="1200" dirty="0"/>
+          </a:p>
+          <a:p>
+            <a:r>
+              <a:rPr lang="fi-FI" b="1" dirty="0"/>
+              <a:t>Lähteet:</a:t>
+            </a:r>
+          </a:p>
+          <a:p>
+            <a:r>
+              <a:rPr lang="fi-FI" dirty="0">
+                <a:hlinkClick r:id="rId2"/>
+              </a:rPr>
+              <a:t>https://pandas.pydata.org/docs/reference/index.html</a:t>
+            </a:r>
             <a:endParaRPr lang="fi-FI" dirty="0"/>
           </a:p>
           <a:p>
             <a:r>
-              <a:rPr lang="fi-FI" dirty="0"/>
-              <a:t>Kuva 2. on </a:t>
-            </a:r>
-            <a:r>
-              <a:rPr lang="fi-FI" dirty="0" err="1"/>
-              <a:t>Confusion</a:t>
-            </a:r>
-            <a:r>
-              <a:rPr lang="fi-FI" dirty="0"/>
-              <a:t> </a:t>
-            </a:r>
-            <a:r>
-              <a:rPr lang="fi-FI" dirty="0" err="1"/>
-              <a:t>matrix</a:t>
-            </a:r>
-            <a:r>
-              <a:rPr lang="fi-FI" dirty="0"/>
-              <a:t> jossa ylempi on oikea </a:t>
-            </a:r>
-            <a:r>
-              <a:rPr lang="fi-FI" dirty="0" err="1"/>
-              <a:t>confusion</a:t>
-            </a:r>
-            <a:r>
-              <a:rPr lang="fi-FI" dirty="0"/>
-              <a:t> </a:t>
-            </a:r>
-            <a:r>
-              <a:rPr lang="fi-FI" dirty="0" err="1"/>
-              <a:t>matrix</a:t>
-            </a:r>
-            <a:r>
-              <a:rPr lang="fi-FI" dirty="0"/>
-              <a:t> tulos ja alempi on tulos kun sensoria on ravisteltu mittauksen aikana.</a:t>
-            </a:r>
-          </a:p>
-          <a:p>
+              <a:rPr lang="fi-FI" dirty="0">
+                <a:hlinkClick r:id="rId3"/>
+              </a:rPr>
+              <a:t>https://numpy.org/doc/stable/reference/</a:t>
+            </a:r>
             <a:endParaRPr lang="fi-FI" dirty="0"/>
           </a:p>
           <a:p>
+            <a:r>
+              <a:rPr lang="fi-FI" dirty="0">
+                <a:hlinkClick r:id="rId4"/>
+              </a:rPr>
+              <a:t>https://matplotlib.org/stable/api/index.html</a:t>
+            </a:r>
             <a:endParaRPr lang="fi-FI" dirty="0"/>
           </a:p>
           <a:p>
+            <a:r>
+              <a:rPr lang="fi-FI" dirty="0">
+                <a:hlinkClick r:id="rId5"/>
+              </a:rPr>
+              <a:t>https://scikit-learn.org/stable/</a:t>
+            </a:r>
             <a:endParaRPr lang="fi-FI" dirty="0"/>
           </a:p>
           <a:p>
             <a:endParaRPr lang="fi-FI" dirty="0"/>
-          </a:p>
-          <a:p>
-            <a:endParaRPr lang="fi-FI" sz="1200" dirty="0"/>
-          </a:p>
-          <a:p>
-            <a:endParaRPr lang="fi-FI" sz="1200" dirty="0"/>
-          </a:p>
-          <a:p>
-            <a:r>
-              <a:rPr lang="fi-FI" sz="1200" i="1" dirty="0"/>
-              <a:t>Kuva 2.</a:t>
-            </a:r>
-          </a:p>
-          <a:p>
-            <a:r>
-              <a:rPr lang="fi-FI" b="1" dirty="0"/>
-              <a:t>Arviointi</a:t>
-            </a:r>
-            <a:endParaRPr lang="fi-FI" dirty="0"/>
-          </a:p>
-          <a:p>
-            <a:endParaRPr lang="fi-FI" dirty="0"/>
-          </a:p>
-          <a:p>
-            <a:r>
-              <a:rPr lang="fi-FI" b="1" dirty="0"/>
-              <a:t>Lähteet</a:t>
-            </a:r>
           </a:p>
           <a:p>
             <a:endParaRPr lang="fi-FI" dirty="0"/>
@@ -2542,15 +2618,15 @@
           <p:nvPr/>
         </p:nvPicPr>
         <p:blipFill>
-          <a:blip r:embed="rId2"/>
+          <a:blip r:embed="rId6"/>
           <a:stretch>
             <a:fillRect/>
           </a:stretch>
         </p:blipFill>
         <p:spPr>
           <a:xfrm>
-            <a:off x="113656" y="6400800"/>
-            <a:ext cx="5526815" cy="3946145"/>
+            <a:off x="502153" y="6857668"/>
+            <a:ext cx="5757310" cy="4110719"/>
           </a:xfrm>
           <a:prstGeom prst="rect">
             <a:avLst/>
@@ -2572,15 +2648,15 @@
           <p:nvPr/>
         </p:nvPicPr>
         <p:blipFill>
-          <a:blip r:embed="rId3"/>
+          <a:blip r:embed="rId7"/>
           <a:stretch>
             <a:fillRect/>
           </a:stretch>
         </p:blipFill>
         <p:spPr>
           <a:xfrm>
-            <a:off x="6389132" y="6219359"/>
-            <a:ext cx="1606006" cy="1581042"/>
+            <a:off x="6389131" y="2735385"/>
+            <a:ext cx="2004241" cy="1973087"/>
           </a:xfrm>
           <a:prstGeom prst="rect">
             <a:avLst/>
@@ -3581,18 +3657,18 @@
 </file>
 
 <file path=customXml/item1.xml><?xml version="1.0" encoding="utf-8"?>
+<p:properties xmlns:p="http://schemas.microsoft.com/office/2006/metadata/properties" xmlns:xsi="http://www.w3.org/2001/XMLSchema-instance" xmlns:pc="http://schemas.microsoft.com/office/infopath/2007/PartnerControls">
+  <documentManagement/>
+</p:properties>
+</file>
+
+<file path=customXml/item2.xml><?xml version="1.0" encoding="utf-8"?>
 <?mso-contentType ?>
 <FormTemplates xmlns="http://schemas.microsoft.com/sharepoint/v3/contenttype/forms">
   <Display>DocumentLibraryForm</Display>
   <Edit>DocumentLibraryForm</Edit>
   <New>DocumentLibraryForm</New>
 </FormTemplates>
-</file>
-
-<file path=customXml/item2.xml><?xml version="1.0" encoding="utf-8"?>
-<p:properties xmlns:p="http://schemas.microsoft.com/office/2006/metadata/properties" xmlns:xsi="http://www.w3.org/2001/XMLSchema-instance" xmlns:pc="http://schemas.microsoft.com/office/infopath/2007/PartnerControls">
-  <documentManagement/>
-</p:properties>
 </file>
 
 <file path=customXml/item3.xml><?xml version="1.0" encoding="utf-8"?>
@@ -3760,14 +3836,6 @@
 </file>
 
 <file path=customXml/itemProps1.xml><?xml version="1.0" encoding="utf-8"?>
-<ds:datastoreItem xmlns:ds="http://schemas.openxmlformats.org/officeDocument/2006/customXml" ds:itemID="{EDA22398-01F6-4848-8F41-560534D344A7}">
-  <ds:schemaRefs>
-    <ds:schemaRef ds:uri="http://schemas.microsoft.com/sharepoint/v3/contenttype/forms"/>
-  </ds:schemaRefs>
-</ds:datastoreItem>
-</file>
-
-<file path=customXml/itemProps2.xml><?xml version="1.0" encoding="utf-8"?>
 <ds:datastoreItem xmlns:ds="http://schemas.openxmlformats.org/officeDocument/2006/customXml" ds:itemID="{878822F4-0F3C-48DC-95CA-A274E297992E}">
   <ds:schemaRefs>
     <ds:schemaRef ds:uri="http://purl.org/dc/dcmitype/"/>
@@ -3779,6 +3847,14 @@
     <ds:schemaRef ds:uri="http://schemas.openxmlformats.org/package/2006/metadata/core-properties"/>
     <ds:schemaRef ds:uri="http://purl.org/dc/terms/"/>
     <ds:schemaRef ds:uri="http://purl.org/dc/elements/1.1/"/>
+  </ds:schemaRefs>
+</ds:datastoreItem>
+</file>
+
+<file path=customXml/itemProps2.xml><?xml version="1.0" encoding="utf-8"?>
+<ds:datastoreItem xmlns:ds="http://schemas.openxmlformats.org/officeDocument/2006/customXml" ds:itemID="{EDA22398-01F6-4848-8F41-560534D344A7}">
+  <ds:schemaRefs>
+    <ds:schemaRef ds:uri="http://schemas.microsoft.com/sharepoint/v3/contenttype/forms"/>
   </ds:schemaRefs>
 </ds:datastoreItem>
 </file>
